--- a/team20.pptx
+++ b/team20.pptx
@@ -5521,7 +5521,7 @@
         <p:spPr>
           <a:xfrm>
             <a:off x="0" y="461850"/>
-            <a:ext cx="9144000" cy="4524600"/>
+            <a:ext cx="9144000" cy="4640400"/>
           </a:xfrm>
           <a:prstGeom prst="rect">
             <a:avLst/>
@@ -5529,18 +5529,18 @@
         </p:spPr>
         <p:txBody>
           <a:bodyPr anchorCtr="0" anchor="t" bIns="91425" lIns="91425" spcFirstLastPara="1" rIns="91425" wrap="square" tIns="91425">
-            <a:normAutofit/>
+            <a:normAutofit fontScale="77500" lnSpcReduction="20000"/>
           </a:bodyPr>
           <a:lstStyle/>
           <a:p>
-            <a:pPr indent="-168275" lvl="0" marL="89999" rtl="0" algn="l">
-              <a:spcBef>
-                <a:spcPts val="0"/>
-              </a:spcBef>
-              <a:spcAft>
-                <a:spcPts val="0"/>
-              </a:spcAft>
-              <a:buSzPts val="1300"/>
+            <a:pPr indent="-149701" lvl="0" marL="89999" rtl="0" algn="l">
+              <a:spcBef>
+                <a:spcPts val="0"/>
+              </a:spcBef>
+              <a:spcAft>
+                <a:spcPts val="0"/>
+              </a:spcAft>
+              <a:buSzPct val="100000"/>
               <a:buChar char="●"/>
             </a:pPr>
             <a:r>
@@ -5589,7 +5589,7 @@
                   <a:schemeClr val="dk1"/>
                 </a:solidFill>
               </a:rPr>
-              <a:t>)放到L38函式 generate_pattern_dict，來產生words之間所有可能的patterns，例如：假設答案集合中只有3個words分別為weary, bears與crane並將其放入該函式中，而pattern中數字意義0:錯的字母, 1:對的字母對的位置, 2:對的字母錯的位置，當要查找crane的</a:t>
+              <a:t>)放到L40函式 generate_pattern_dict，來產生words之間所有可能的patterns，例如：假設答案集合中只有3個words分別為weary, bears與crane並將其放入該函式中，而pattern中數字意義0:錯的字母, 1:對的字母對的位置, 2:對的字母錯的位置，當要查找crane的</a:t>
             </a:r>
             <a:r>
               <a:rPr lang="zh-TW" sz="1300">
@@ -5629,7 +5629,7 @@
                   <a:schemeClr val="dk1"/>
                 </a:solidFill>
               </a:rPr>
-              <a:t>再來會使用到L57函式 calculate_entropies，依照各word之所有patterns內對應的words與possible_words取</a:t>
+              <a:t>再來會使用到L59函式 calculate_entropies，依照各word之所有patterns內對應的words與possible_words取</a:t>
             </a:r>
             <a:r>
               <a:rPr b="1" lang="zh-TW" sz="1300">
@@ -5653,7 +5653,7 @@
                   <a:schemeClr val="dk1"/>
                 </a:solidFill>
               </a:rPr>
-              <a:t>將其存入list並計算entropy（L70）</a:t>
+              <a:t>將其存入list並計算entropy（L72）</a:t>
             </a:r>
             <a:r>
               <a:rPr lang="zh-TW" sz="1300">
@@ -5685,7 +5685,15 @@
                   <a:schemeClr val="dk1"/>
                 </a:solidFill>
               </a:rPr>
-              <a:t>從entropies中</a:t>
+              <a:t>之後選出最大的entropy值其對應的word作為第一個猜測的答案。根據第一次測試所使用的所有可能答案庫(</a:t>
+            </a:r>
+            <a:r>
+              <a:rPr lang="zh-TW" sz="1200">
+                <a:solidFill>
+                  <a:schemeClr val="dk1"/>
+                </a:solidFill>
+              </a:rPr>
+              <a:t>wordle-answers-alphabetical.txt</a:t>
             </a:r>
             <a:r>
               <a:rPr lang="zh-TW" sz="1300">
@@ -5693,23 +5701,23 @@
                   <a:schemeClr val="dk1"/>
                 </a:solidFill>
               </a:rPr>
-              <a:t>選出最大的entropy值其對應的word作為第一個猜測的答案(L128)。</a:t>
+              <a:t>)，raise 有最大的entropy，所以第一猜都猜 raise。</a:t>
             </a:r>
-            <a:endParaRPr sz="1300" u="sng">
+            <a:endParaRPr sz="1300">
               <a:solidFill>
                 <a:schemeClr val="dk1"/>
               </a:solidFill>
             </a:endParaRPr>
           </a:p>
           <a:p>
-            <a:pPr indent="-168275" lvl="0" marL="89999" rtl="0" algn="l">
+            <a:pPr indent="-149701" lvl="0" marL="89999" rtl="0" algn="l">
               <a:spcBef>
                 <a:spcPts val="1200"/>
               </a:spcBef>
               <a:spcAft>
                 <a:spcPts val="0"/>
               </a:spcAft>
-              <a:buSzPts val="1300"/>
+              <a:buSzPct val="100000"/>
               <a:buChar char="●"/>
             </a:pPr>
             <a:r>
@@ -5742,23 +5750,39 @@
                   <a:schemeClr val="dk1"/>
                 </a:solidFill>
               </a:rPr>
-              <a:t>將第一個猜測的答案(guess_word)與該回合的正確答案(WORD_TO_GUESS)計算出patterns </a:t>
+              <a:t>如果第一猜沒猜中正確答案，則透過所得到的回覆(L128，info，即磁磚的顏色排列) 查 pattern_dict dictionary 得到對應的 words，words與當前剩下的所有可能答案(all_words)取交集更新all_words(L148-149)，而 all_words 會被傳入 calculate_entropies function 作為 possible_words augument. (L120)。執行calculate_entropies function 後</a:t>
             </a:r>
             <a:r>
-              <a:rPr baseline="30000" lang="zh-TW" sz="1300">
+              <a:rPr lang="zh-TW" sz="1200">
                 <a:solidFill>
                   <a:schemeClr val="dk1"/>
                 </a:solidFill>
               </a:rPr>
-              <a:t>。</a:t>
+              <a:t>從中選擇擁有最大entropy的單字作為下一個猜測。</a:t>
             </a:r>
+            <a:endParaRPr sz="1200">
+              <a:solidFill>
+                <a:schemeClr val="dk1"/>
+              </a:solidFill>
+            </a:endParaRPr>
+          </a:p>
+          <a:p>
+            <a:pPr indent="0" lvl="0" marL="89999" rtl="0" algn="l">
+              <a:spcBef>
+                <a:spcPts val="1200"/>
+              </a:spcBef>
+              <a:spcAft>
+                <a:spcPts val="0"/>
+              </a:spcAft>
+              <a:buNone/>
+            </a:pPr>
             <a:r>
-              <a:rPr lang="zh-TW" sz="1300">
+              <a:rPr lang="zh-TW" sz="1200">
                 <a:solidFill>
                   <a:schemeClr val="dk1"/>
                 </a:solidFill>
               </a:rPr>
-              <a:t>再利用patterns查dictionary找出對應的words，最後再取交集來更新下回合可能的word(all_words) (L149-L150)。</a:t>
+              <a:t>wordle-answers-alphabetical.txt 中任何一個單字都有可能是我們選擇的猜測，只要它是擁有最大entropy的單字，即使該單字已可被當前我們所擁有的資訊確定它不可能是正確答案。例外發生在若entropy最大值  &lt; 0.1，則我們會縮減猜測範圍成當前剩下所有可能答案的單字( all_words)，並再次執行 calculate_entropies function，再選有最大entropy的單字被選為猜測(L122-124)</a:t>
             </a:r>
             <a:endParaRPr sz="1300">
               <a:solidFill>
@@ -5767,14 +5791,14 @@
             </a:endParaRPr>
           </a:p>
           <a:p>
-            <a:pPr indent="-168275" lvl="0" marL="89999" rtl="0" algn="l">
+            <a:pPr indent="-149701" lvl="0" marL="89999" rtl="0" algn="l">
               <a:spcBef>
                 <a:spcPts val="1200"/>
               </a:spcBef>
               <a:spcAft>
                 <a:spcPts val="0"/>
               </a:spcAft>
-              <a:buSzPts val="1300"/>
+              <a:buSzPct val="100000"/>
               <a:buChar char="●"/>
             </a:pPr>
             <a:r>
@@ -5797,6 +5821,49 @@
                 <a:spcPts val="1200"/>
               </a:spcBef>
               <a:spcAft>
+                <a:spcPts val="0"/>
+              </a:spcAft>
+              <a:buNone/>
+            </a:pPr>
+            <a:r>
+              <a:rPr lang="zh-TW" sz="1200">
+                <a:solidFill>
+                  <a:schemeClr val="dk1"/>
+                </a:solidFill>
+              </a:rPr>
+              <a:t>若當前猜測仍不是正確答案，則選擇下一個猜測的機制與第一猜沒猜中後的機制一樣。</a:t>
+            </a:r>
+            <a:endParaRPr sz="1200">
+              <a:solidFill>
+                <a:schemeClr val="dk1"/>
+              </a:solidFill>
+            </a:endParaRPr>
+          </a:p>
+          <a:p>
+            <a:pPr indent="0" lvl="0" marL="89999" rtl="0" algn="l">
+              <a:spcBef>
+                <a:spcPts val="1200"/>
+              </a:spcBef>
+              <a:spcAft>
+                <a:spcPts val="0"/>
+              </a:spcAft>
+              <a:buNone/>
+            </a:pPr>
+            <a:r>
+              <a:t/>
+            </a:r>
+            <a:endParaRPr sz="1300">
+              <a:solidFill>
+                <a:schemeClr val="dk1"/>
+              </a:solidFill>
+            </a:endParaRPr>
+          </a:p>
+          <a:p>
+            <a:pPr indent="0" lvl="0" marL="89999" rtl="0" algn="l">
+              <a:spcBef>
+                <a:spcPts val="1200"/>
+              </a:spcBef>
+              <a:spcAft>
                 <a:spcPts val="1200"/>
               </a:spcAft>
               <a:buNone/>
@@ -5807,25 +5874,18 @@
                   <a:schemeClr val="dk1"/>
                 </a:solidFill>
               </a:rPr>
-              <a:t>將當前回合猜測的答案(guess_word)與該回合的正確答案(WORD_TO_GUESS)計算出patterns </a:t>
+              <a:t>參考: </a:t>
             </a:r>
             <a:r>
-              <a:rPr baseline="30000" lang="zh-TW" sz="1300">
+              <a:rPr lang="zh-TW" sz="1300" u="sng">
                 <a:solidFill>
-                  <a:schemeClr val="dk1"/>
+                  <a:schemeClr val="hlink"/>
                 </a:solidFill>
+                <a:hlinkClick r:id="rId3"/>
               </a:rPr>
-              <a:t>。</a:t>
+              <a:t>https://github.com/GillesVandewiele/Wordle-Bot</a:t>
             </a:r>
-            <a:r>
-              <a:rPr lang="zh-TW" sz="1300">
-                <a:solidFill>
-                  <a:schemeClr val="dk1"/>
-                </a:solidFill>
-              </a:rPr>
-              <a:t>再利用patterns查dictionary找出對應的words，最後再取交集來更新下回合可能的word(all_words) (L149-L150)。</a:t>
-            </a:r>
-            <a:endParaRPr sz="1300" u="sng">
+            <a:endParaRPr sz="1300">
               <a:solidFill>
                 <a:schemeClr val="dk1"/>
               </a:solidFill>
